--- a/Slides/4th of December 2024.pptx
+++ b/Slides/4th of December 2024.pptx
@@ -8022,12 +8022,8 @@
           <a:lstStyle/>
           <a:p>
             <a:r>
-              <a:rPr lang="en-US"/>
-              <a:t>Do-While </a:t>
-            </a:r>
-            <a:r>
               <a:rPr lang="en-US" dirty="0"/>
-              <a:t>Loop</a:t>
+              <a:t>Do-While Loop</a:t>
             </a:r>
           </a:p>
         </p:txBody>
@@ -8169,7 +8165,7 @@
           <a:p>
             <a:r>
               <a:rPr lang="en-US" dirty="0"/>
-              <a:t>The do-while loop is similar to the while loop, but it always executes the block of code at least once, even if the condition is false.</a:t>
+              <a:t>The do-while always executes the block of code at least once, even if the condition is false.</a:t>
             </a:r>
           </a:p>
         </p:txBody>
